--- a/Version 2.0/CSAD Handbook/fig/software_overview.pptx
+++ b/Version 2.0/CSAD Handbook/fig/software_overview.pptx
@@ -243,7 +243,7 @@
           <a:p>
             <a:fld id="{2349D67C-9E09-454F-B0C4-A9E084C2E205}" type="datetimeFigureOut">
               <a:rPr lang="nb-NO" smtClean="0"/>
-              <a:t>03.07.2017</a:t>
+              <a:t>10.07.2017</a:t>
             </a:fld>
             <a:endParaRPr lang="nb-NO"/>
           </a:p>
@@ -413,7 +413,7 @@
           <a:p>
             <a:fld id="{2349D67C-9E09-454F-B0C4-A9E084C2E205}" type="datetimeFigureOut">
               <a:rPr lang="nb-NO" smtClean="0"/>
-              <a:t>03.07.2017</a:t>
+              <a:t>10.07.2017</a:t>
             </a:fld>
             <a:endParaRPr lang="nb-NO"/>
           </a:p>
@@ -593,7 +593,7 @@
           <a:p>
             <a:fld id="{2349D67C-9E09-454F-B0C4-A9E084C2E205}" type="datetimeFigureOut">
               <a:rPr lang="nb-NO" smtClean="0"/>
-              <a:t>03.07.2017</a:t>
+              <a:t>10.07.2017</a:t>
             </a:fld>
             <a:endParaRPr lang="nb-NO"/>
           </a:p>
@@ -763,7 +763,7 @@
           <a:p>
             <a:fld id="{2349D67C-9E09-454F-B0C4-A9E084C2E205}" type="datetimeFigureOut">
               <a:rPr lang="nb-NO" smtClean="0"/>
-              <a:t>03.07.2017</a:t>
+              <a:t>10.07.2017</a:t>
             </a:fld>
             <a:endParaRPr lang="nb-NO"/>
           </a:p>
@@ -1009,7 +1009,7 @@
           <a:p>
             <a:fld id="{2349D67C-9E09-454F-B0C4-A9E084C2E205}" type="datetimeFigureOut">
               <a:rPr lang="nb-NO" smtClean="0"/>
-              <a:t>03.07.2017</a:t>
+              <a:t>10.07.2017</a:t>
             </a:fld>
             <a:endParaRPr lang="nb-NO"/>
           </a:p>
@@ -1241,7 +1241,7 @@
           <a:p>
             <a:fld id="{2349D67C-9E09-454F-B0C4-A9E084C2E205}" type="datetimeFigureOut">
               <a:rPr lang="nb-NO" smtClean="0"/>
-              <a:t>03.07.2017</a:t>
+              <a:t>10.07.2017</a:t>
             </a:fld>
             <a:endParaRPr lang="nb-NO"/>
           </a:p>
@@ -1608,7 +1608,7 @@
           <a:p>
             <a:fld id="{2349D67C-9E09-454F-B0C4-A9E084C2E205}" type="datetimeFigureOut">
               <a:rPr lang="nb-NO" smtClean="0"/>
-              <a:t>03.07.2017</a:t>
+              <a:t>10.07.2017</a:t>
             </a:fld>
             <a:endParaRPr lang="nb-NO"/>
           </a:p>
@@ -1726,7 +1726,7 @@
           <a:p>
             <a:fld id="{2349D67C-9E09-454F-B0C4-A9E084C2E205}" type="datetimeFigureOut">
               <a:rPr lang="nb-NO" smtClean="0"/>
-              <a:t>03.07.2017</a:t>
+              <a:t>10.07.2017</a:t>
             </a:fld>
             <a:endParaRPr lang="nb-NO"/>
           </a:p>
@@ -1821,7 +1821,7 @@
           <a:p>
             <a:fld id="{2349D67C-9E09-454F-B0C4-A9E084C2E205}" type="datetimeFigureOut">
               <a:rPr lang="nb-NO" smtClean="0"/>
-              <a:t>03.07.2017</a:t>
+              <a:t>10.07.2017</a:t>
             </a:fld>
             <a:endParaRPr lang="nb-NO"/>
           </a:p>
@@ -2098,7 +2098,7 @@
           <a:p>
             <a:fld id="{2349D67C-9E09-454F-B0C4-A9E084C2E205}" type="datetimeFigureOut">
               <a:rPr lang="nb-NO" smtClean="0"/>
-              <a:t>03.07.2017</a:t>
+              <a:t>10.07.2017</a:t>
             </a:fld>
             <a:endParaRPr lang="nb-NO"/>
           </a:p>
@@ -2355,7 +2355,7 @@
           <a:p>
             <a:fld id="{2349D67C-9E09-454F-B0C4-A9E084C2E205}" type="datetimeFigureOut">
               <a:rPr lang="nb-NO" smtClean="0"/>
-              <a:t>03.07.2017</a:t>
+              <a:t>10.07.2017</a:t>
             </a:fld>
             <a:endParaRPr lang="nb-NO"/>
           </a:p>
@@ -2568,7 +2568,7 @@
           <a:p>
             <a:fld id="{2349D67C-9E09-454F-B0C4-A9E084C2E205}" type="datetimeFigureOut">
               <a:rPr lang="nb-NO" smtClean="0"/>
-              <a:t>03.07.2017</a:t>
+              <a:t>10.07.2017</a:t>
             </a:fld>
             <a:endParaRPr lang="nb-NO"/>
           </a:p>
@@ -2981,7 +2981,7 @@
         </p:nvSpPr>
         <p:spPr>
           <a:xfrm>
-            <a:off x="647308" y="3497674"/>
+            <a:off x="627901" y="3791183"/>
             <a:ext cx="1371401" cy="369332"/>
           </a:xfrm>
           <a:prstGeom prst="rect">
@@ -3022,7 +3022,7 @@
         </p:blipFill>
         <p:spPr>
           <a:xfrm>
-            <a:off x="1968004" y="3570795"/>
+            <a:off x="1948597" y="3864304"/>
             <a:ext cx="223097" cy="223097"/>
           </a:xfrm>
           <a:prstGeom prst="rect">
@@ -3038,7 +3038,7 @@
         </p:nvSpPr>
         <p:spPr>
           <a:xfrm>
-            <a:off x="647304" y="3419449"/>
+            <a:off x="627897" y="3712958"/>
             <a:ext cx="1608216" cy="525780"/>
           </a:xfrm>
           <a:prstGeom prst="roundRect">
@@ -3189,174 +3189,16 @@
           </a:p>
         </p:txBody>
       </p:sp>
-      <p:grpSp>
-        <p:nvGrpSpPr>
-          <p:cNvPr id="17" name="Group 16"/>
-          <p:cNvGrpSpPr/>
-          <p:nvPr/>
-        </p:nvGrpSpPr>
-        <p:grpSpPr>
-          <a:xfrm>
-            <a:off x="2255520" y="2389681"/>
-            <a:ext cx="929640" cy="2585323"/>
-            <a:chOff x="2308860" y="168425"/>
-            <a:chExt cx="929640" cy="2585323"/>
-          </a:xfrm>
-        </p:grpSpPr>
-        <p:sp>
-          <p:nvSpPr>
-            <p:cNvPr id="15" name="TextBox 14"/>
-            <p:cNvSpPr txBox="1"/>
-            <p:nvPr/>
-          </p:nvSpPr>
-          <p:spPr>
-            <a:xfrm>
-              <a:off x="2308860" y="168425"/>
-              <a:ext cx="929640" cy="1754326"/>
-            </a:xfrm>
-            <a:prstGeom prst="rect">
-              <a:avLst/>
-            </a:prstGeom>
-            <a:noFill/>
-            <a:ln>
-              <a:solidFill>
-                <a:schemeClr val="tx1"/>
-              </a:solidFill>
-            </a:ln>
-          </p:spPr>
-          <p:txBody>
-            <a:bodyPr wrap="square" rtlCol="0">
-              <a:spAutoFit/>
-            </a:bodyPr>
-            <a:lstStyle/>
-            <a:p>
-              <a:r>
-                <a:rPr lang="nb-NO" sz="1200" dirty="0" err="1"/>
-                <a:t>PosXLeft</a:t>
-              </a:r>
-              <a:endParaRPr lang="nb-NO" sz="1200" dirty="0"/>
-            </a:p>
-            <a:p>
-              <a:r>
-                <a:rPr lang="nb-NO" sz="1200" dirty="0" err="1"/>
-                <a:t>PosYLeft</a:t>
-              </a:r>
-              <a:endParaRPr lang="nb-NO" sz="1200" dirty="0"/>
-            </a:p>
-            <a:p>
-              <a:r>
-                <a:rPr lang="nb-NO" sz="1200" dirty="0" err="1"/>
-                <a:t>PosXRight</a:t>
-              </a:r>
-              <a:endParaRPr lang="nb-NO" sz="1200" dirty="0"/>
-            </a:p>
-            <a:p>
-              <a:r>
-                <a:rPr lang="nb-NO" sz="1200" dirty="0" err="1"/>
-                <a:t>PosYRight</a:t>
-              </a:r>
-              <a:endParaRPr lang="nb-NO" sz="1200" dirty="0"/>
-            </a:p>
-            <a:p>
-              <a:r>
-                <a:rPr lang="nb-NO" sz="1200" dirty="0"/>
-                <a:t>R2</a:t>
-              </a:r>
-            </a:p>
-            <a:p>
-              <a:r>
-                <a:rPr lang="nb-NO" sz="1200" dirty="0"/>
-                <a:t>L2</a:t>
-              </a:r>
-            </a:p>
-            <a:p>
-              <a:r>
-                <a:rPr lang="nb-NO" sz="1200" dirty="0" err="1"/>
-                <a:t>ArrowUp</a:t>
-              </a:r>
-              <a:endParaRPr lang="nb-NO" sz="1200" dirty="0"/>
-            </a:p>
-            <a:p>
-              <a:r>
-                <a:rPr lang="nb-NO" sz="1200" dirty="0" err="1"/>
-                <a:t>ArrowDown</a:t>
-              </a:r>
-              <a:endParaRPr lang="nb-NO" sz="1200" dirty="0"/>
-            </a:p>
-            <a:p>
-              <a:r>
-                <a:rPr lang="nb-NO" sz="1200" dirty="0"/>
-                <a:t>Start</a:t>
-              </a:r>
-            </a:p>
-          </p:txBody>
-        </p:sp>
-        <p:sp>
-          <p:nvSpPr>
-            <p:cNvPr id="16" name="TextBox 15"/>
-            <p:cNvSpPr txBox="1"/>
-            <p:nvPr/>
-          </p:nvSpPr>
-          <p:spPr>
-            <a:xfrm>
-              <a:off x="2308860" y="1922751"/>
-              <a:ext cx="929640" cy="830997"/>
-            </a:xfrm>
-            <a:prstGeom prst="rect">
-              <a:avLst/>
-            </a:prstGeom>
-            <a:noFill/>
-            <a:ln>
-              <a:solidFill>
-                <a:schemeClr val="tx1"/>
-              </a:solidFill>
-            </a:ln>
-          </p:spPr>
-          <p:txBody>
-            <a:bodyPr wrap="square" rtlCol="0">
-              <a:spAutoFit/>
-            </a:bodyPr>
-            <a:lstStyle/>
-            <a:p>
-              <a:r>
-                <a:rPr lang="nb-NO" sz="1200" dirty="0" err="1"/>
-                <a:t>Triangle</a:t>
-              </a:r>
-              <a:endParaRPr lang="nb-NO" sz="1200" dirty="0"/>
-            </a:p>
-            <a:p>
-              <a:r>
-                <a:rPr lang="nb-NO" sz="1200" dirty="0" err="1"/>
-                <a:t>Square</a:t>
-              </a:r>
-              <a:endParaRPr lang="nb-NO" sz="1200" dirty="0"/>
-            </a:p>
-            <a:p>
-              <a:r>
-                <a:rPr lang="nb-NO" sz="1200" dirty="0"/>
-                <a:t>Cross</a:t>
-              </a:r>
-            </a:p>
-            <a:p>
-              <a:r>
-                <a:rPr lang="nb-NO" sz="1200" dirty="0" err="1"/>
-                <a:t>Circle</a:t>
-              </a:r>
-              <a:endParaRPr lang="nb-NO" sz="1200" dirty="0"/>
-            </a:p>
-          </p:txBody>
-        </p:sp>
-      </p:grpSp>
-      <p:sp>
-        <p:nvSpPr>
-          <p:cNvPr id="18" name="TextBox 17"/>
+      <p:sp>
+        <p:nvSpPr>
+          <p:cNvPr id="15" name="TextBox 14"/>
           <p:cNvSpPr txBox="1"/>
           <p:nvPr/>
         </p:nvSpPr>
         <p:spPr>
           <a:xfrm>
-            <a:off x="2811780" y="1585088"/>
-            <a:ext cx="373380" cy="646331"/>
+            <a:off x="2255520" y="2749758"/>
+            <a:ext cx="929640" cy="1384995"/>
           </a:xfrm>
           <a:prstGeom prst="rect">
             <a:avLst/>
@@ -3376,6 +3218,137 @@
           <a:p>
             <a:r>
               <a:rPr lang="nb-NO" sz="1200" dirty="0" err="1"/>
+              <a:t>PosXLeft</a:t>
+            </a:r>
+            <a:endParaRPr lang="nb-NO" sz="1200" dirty="0"/>
+          </a:p>
+          <a:p>
+            <a:r>
+              <a:rPr lang="nb-NO" sz="1200" dirty="0" err="1"/>
+              <a:t>PosYLeft</a:t>
+            </a:r>
+            <a:endParaRPr lang="nb-NO" sz="1200" dirty="0"/>
+          </a:p>
+          <a:p>
+            <a:r>
+              <a:rPr lang="nb-NO" sz="1200" dirty="0" err="1"/>
+              <a:t>PosXRight</a:t>
+            </a:r>
+            <a:endParaRPr lang="nb-NO" sz="1200" dirty="0"/>
+          </a:p>
+          <a:p>
+            <a:r>
+              <a:rPr lang="nb-NO" sz="1200" dirty="0" err="1" smtClean="0"/>
+              <a:t>PosYRight</a:t>
+            </a:r>
+            <a:endParaRPr lang="nb-NO" sz="1200" dirty="0"/>
+          </a:p>
+          <a:p>
+            <a:r>
+              <a:rPr lang="nb-NO" sz="1200" dirty="0" err="1"/>
+              <a:t>ArrowUp</a:t>
+            </a:r>
+            <a:endParaRPr lang="nb-NO" sz="1200" dirty="0"/>
+          </a:p>
+          <a:p>
+            <a:r>
+              <a:rPr lang="nb-NO" sz="1200" dirty="0" err="1"/>
+              <a:t>ArrowDown</a:t>
+            </a:r>
+            <a:endParaRPr lang="nb-NO" sz="1200" dirty="0"/>
+          </a:p>
+          <a:p>
+            <a:r>
+              <a:rPr lang="nb-NO" sz="1200" dirty="0"/>
+              <a:t>Start</a:t>
+            </a:r>
+          </a:p>
+        </p:txBody>
+      </p:sp>
+      <p:sp>
+        <p:nvSpPr>
+          <p:cNvPr id="16" name="TextBox 15"/>
+          <p:cNvSpPr txBox="1"/>
+          <p:nvPr/>
+        </p:nvSpPr>
+        <p:spPr>
+          <a:xfrm>
+            <a:off x="2255520" y="4144007"/>
+            <a:ext cx="929640" cy="830997"/>
+          </a:xfrm>
+          <a:prstGeom prst="rect">
+            <a:avLst/>
+          </a:prstGeom>
+          <a:noFill/>
+          <a:ln>
+            <a:solidFill>
+              <a:schemeClr val="tx1"/>
+            </a:solidFill>
+          </a:ln>
+        </p:spPr>
+        <p:txBody>
+          <a:bodyPr wrap="square" rtlCol="0">
+            <a:spAutoFit/>
+          </a:bodyPr>
+          <a:lstStyle/>
+          <a:p>
+            <a:r>
+              <a:rPr lang="nb-NO" sz="1200" dirty="0" err="1"/>
+              <a:t>Triangle</a:t>
+            </a:r>
+            <a:endParaRPr lang="nb-NO" sz="1200" dirty="0"/>
+          </a:p>
+          <a:p>
+            <a:r>
+              <a:rPr lang="nb-NO" sz="1200" dirty="0" err="1"/>
+              <a:t>Square</a:t>
+            </a:r>
+            <a:endParaRPr lang="nb-NO" sz="1200" dirty="0"/>
+          </a:p>
+          <a:p>
+            <a:r>
+              <a:rPr lang="nb-NO" sz="1200" dirty="0"/>
+              <a:t>Cross</a:t>
+            </a:r>
+          </a:p>
+          <a:p>
+            <a:r>
+              <a:rPr lang="nb-NO" sz="1200" dirty="0" err="1"/>
+              <a:t>Circle</a:t>
+            </a:r>
+            <a:endParaRPr lang="nb-NO" sz="1200" dirty="0"/>
+          </a:p>
+        </p:txBody>
+      </p:sp>
+      <p:sp>
+        <p:nvSpPr>
+          <p:cNvPr id="18" name="TextBox 17"/>
+          <p:cNvSpPr txBox="1"/>
+          <p:nvPr/>
+        </p:nvSpPr>
+        <p:spPr>
+          <a:xfrm>
+            <a:off x="2811780" y="1585088"/>
+            <a:ext cx="373380" cy="646331"/>
+          </a:xfrm>
+          <a:prstGeom prst="rect">
+            <a:avLst/>
+          </a:prstGeom>
+          <a:noFill/>
+          <a:ln>
+            <a:solidFill>
+              <a:schemeClr val="tx1"/>
+            </a:solidFill>
+          </a:ln>
+        </p:spPr>
+        <p:txBody>
+          <a:bodyPr wrap="square" rtlCol="0">
+            <a:spAutoFit/>
+          </a:bodyPr>
+          <a:lstStyle/>
+          <a:p>
+            <a:r>
+              <a:rPr lang="nb-NO" sz="1200" dirty="0" err="1"/>
               <a:t>X</a:t>
             </a:r>
             <a:endParaRPr lang="nb-NO" sz="1200" dirty="0"/>
@@ -3405,8 +3378,8 @@
         </p:nvCxnSpPr>
         <p:spPr>
           <a:xfrm>
-            <a:off x="3185160" y="3266844"/>
-            <a:ext cx="1054131" cy="76526"/>
+            <a:off x="3185160" y="3442256"/>
+            <a:ext cx="1054131" cy="21824"/>
           </a:xfrm>
           <a:prstGeom prst="straightConnector1">
             <a:avLst/>
@@ -3544,147 +3517,167 @@
           </a:p>
         </p:txBody>
       </p:sp>
-      <p:grpSp>
-        <p:nvGrpSpPr>
-          <p:cNvPr id="38" name="Group 37"/>
-          <p:cNvGrpSpPr/>
+      <p:sp>
+        <p:nvSpPr>
+          <p:cNvPr id="36" name="TextBox 35"/>
+          <p:cNvSpPr txBox="1"/>
           <p:nvPr/>
-        </p:nvGrpSpPr>
-        <p:grpSpPr>
-          <a:xfrm>
-            <a:off x="7658104" y="2763545"/>
-            <a:ext cx="1021077" cy="2215991"/>
-            <a:chOff x="7193280" y="1670370"/>
-            <a:chExt cx="1021077" cy="2215992"/>
-          </a:xfrm>
-        </p:grpSpPr>
-        <p:sp>
-          <p:nvSpPr>
-            <p:cNvPr id="36" name="TextBox 35"/>
-            <p:cNvSpPr txBox="1"/>
-            <p:nvPr/>
-          </p:nvSpPr>
-          <p:spPr>
-            <a:xfrm>
-              <a:off x="7193280" y="1670370"/>
-              <a:ext cx="1021077" cy="1384996"/>
-            </a:xfrm>
-            <a:prstGeom prst="rect">
-              <a:avLst/>
-            </a:prstGeom>
-            <a:noFill/>
-            <a:ln>
-              <a:solidFill>
-                <a:schemeClr val="tx1"/>
-              </a:solidFill>
-            </a:ln>
-          </p:spPr>
-          <p:txBody>
-            <a:bodyPr wrap="square" rtlCol="0">
-              <a:spAutoFit/>
-            </a:bodyPr>
-            <a:lstStyle/>
-            <a:p>
-              <a:r>
-                <a:rPr lang="nb-NO" sz="1200" dirty="0" err="1"/>
-                <a:t>u_BT</a:t>
-              </a:r>
-              <a:endParaRPr lang="nb-NO" sz="1200" dirty="0"/>
-            </a:p>
-            <a:p>
-              <a:r>
-                <a:rPr lang="nb-NO" sz="1200" dirty="0"/>
-                <a:t>u_VSP1</a:t>
-              </a:r>
-            </a:p>
-            <a:p>
-              <a:r>
-                <a:rPr lang="nb-NO" sz="1200" dirty="0"/>
-                <a:t>u_VSP2</a:t>
-              </a:r>
-            </a:p>
-            <a:p>
-              <a:r>
-                <a:rPr lang="nb-NO" sz="1200" dirty="0"/>
-                <a:t>alpha_VSP1</a:t>
-              </a:r>
-            </a:p>
-            <a:p>
-              <a:r>
-                <a:rPr lang="nb-NO" sz="1200" dirty="0"/>
-                <a:t>alpha_VSP2</a:t>
-              </a:r>
-            </a:p>
-            <a:p>
-              <a:r>
-                <a:rPr lang="nb-NO" sz="1200" dirty="0"/>
-                <a:t>omega_VSP1</a:t>
-              </a:r>
-            </a:p>
-            <a:p>
-              <a:r>
-                <a:rPr lang="nb-NO" sz="1200" dirty="0"/>
-                <a:t>omega_VSP2</a:t>
-              </a:r>
-            </a:p>
-          </p:txBody>
-        </p:sp>
-        <p:sp>
-          <p:nvSpPr>
-            <p:cNvPr id="37" name="TextBox 36"/>
-            <p:cNvSpPr txBox="1"/>
-            <p:nvPr/>
-          </p:nvSpPr>
-          <p:spPr>
-            <a:xfrm>
-              <a:off x="7193280" y="3055365"/>
-              <a:ext cx="1021077" cy="830997"/>
-            </a:xfrm>
-            <a:prstGeom prst="rect">
-              <a:avLst/>
-            </a:prstGeom>
-            <a:noFill/>
-            <a:ln>
-              <a:solidFill>
-                <a:schemeClr val="tx1"/>
-              </a:solidFill>
-            </a:ln>
-          </p:spPr>
-          <p:txBody>
-            <a:bodyPr wrap="square" rtlCol="0">
-              <a:spAutoFit/>
-            </a:bodyPr>
-            <a:lstStyle/>
-            <a:p>
-              <a:r>
-                <a:rPr lang="nb-NO" sz="1200" dirty="0" err="1"/>
-                <a:t>Triangle</a:t>
-              </a:r>
-              <a:endParaRPr lang="nb-NO" sz="1200" dirty="0"/>
-            </a:p>
-            <a:p>
-              <a:r>
-                <a:rPr lang="nb-NO" sz="1200" dirty="0" err="1"/>
-                <a:t>Square</a:t>
-              </a:r>
-              <a:endParaRPr lang="nb-NO" sz="1200" dirty="0"/>
-            </a:p>
-            <a:p>
-              <a:r>
-                <a:rPr lang="nb-NO" sz="1200" dirty="0"/>
-                <a:t>Cross</a:t>
-              </a:r>
-            </a:p>
-            <a:p>
-              <a:r>
-                <a:rPr lang="nb-NO" sz="1200" dirty="0" err="1"/>
-                <a:t>Circle</a:t>
-              </a:r>
-              <a:endParaRPr lang="nb-NO" sz="1200" dirty="0"/>
-            </a:p>
-          </p:txBody>
-        </p:sp>
-      </p:grpSp>
+        </p:nvSpPr>
+        <p:spPr>
+          <a:xfrm>
+            <a:off x="7658102" y="1835682"/>
+            <a:ext cx="1021077" cy="2308324"/>
+          </a:xfrm>
+          <a:prstGeom prst="rect">
+            <a:avLst/>
+          </a:prstGeom>
+          <a:noFill/>
+          <a:ln>
+            <a:solidFill>
+              <a:schemeClr val="tx1"/>
+            </a:solidFill>
+          </a:ln>
+        </p:spPr>
+        <p:txBody>
+          <a:bodyPr wrap="square" rtlCol="0">
+            <a:spAutoFit/>
+          </a:bodyPr>
+          <a:lstStyle/>
+          <a:p>
+            <a:r>
+              <a:rPr lang="nb-NO" sz="1200" dirty="0" smtClean="0"/>
+              <a:t>u_1</a:t>
+            </a:r>
+          </a:p>
+          <a:p>
+            <a:r>
+              <a:rPr lang="nb-NO" sz="1200" dirty="0" smtClean="0"/>
+              <a:t>u_2</a:t>
+            </a:r>
+            <a:endParaRPr lang="nb-NO" sz="1200" dirty="0"/>
+          </a:p>
+          <a:p>
+            <a:r>
+              <a:rPr lang="nb-NO" sz="1200" dirty="0" smtClean="0"/>
+              <a:t>u_3</a:t>
+            </a:r>
+            <a:endParaRPr lang="nb-NO" sz="1200" dirty="0"/>
+          </a:p>
+          <a:p>
+            <a:r>
+              <a:rPr lang="nb-NO" sz="1200" dirty="0" smtClean="0"/>
+              <a:t>u_4</a:t>
+            </a:r>
+            <a:endParaRPr lang="nb-NO" sz="1200" dirty="0"/>
+          </a:p>
+          <a:p>
+            <a:r>
+              <a:rPr lang="nb-NO" sz="1200" dirty="0" smtClean="0"/>
+              <a:t>u_5</a:t>
+            </a:r>
+            <a:endParaRPr lang="nb-NO" sz="1200" dirty="0"/>
+          </a:p>
+          <a:p>
+            <a:r>
+              <a:rPr lang="nb-NO" sz="1200" dirty="0" smtClean="0"/>
+              <a:t>u_6</a:t>
+            </a:r>
+            <a:endParaRPr lang="nb-NO" sz="1200" dirty="0"/>
+          </a:p>
+          <a:p>
+            <a:r>
+              <a:rPr lang="nb-NO" sz="1200" dirty="0" smtClean="0"/>
+              <a:t>alpha_1</a:t>
+            </a:r>
+          </a:p>
+          <a:p>
+            <a:r>
+              <a:rPr lang="nb-NO" sz="1200" dirty="0" smtClean="0"/>
+              <a:t>alpha_2</a:t>
+            </a:r>
+          </a:p>
+          <a:p>
+            <a:r>
+              <a:rPr lang="nb-NO" sz="1200" dirty="0" smtClean="0"/>
+              <a:t>alpha_3</a:t>
+            </a:r>
+          </a:p>
+          <a:p>
+            <a:r>
+              <a:rPr lang="nb-NO" sz="1200" dirty="0" smtClean="0"/>
+              <a:t>alpha_4</a:t>
+            </a:r>
+          </a:p>
+          <a:p>
+            <a:r>
+              <a:rPr lang="nb-NO" sz="1200" dirty="0" smtClean="0"/>
+              <a:t>alpha_5</a:t>
+            </a:r>
+          </a:p>
+          <a:p>
+            <a:r>
+              <a:rPr lang="nb-NO" sz="1200" dirty="0" smtClean="0"/>
+              <a:t>alpha_6</a:t>
+            </a:r>
+            <a:endParaRPr lang="nb-NO" sz="1200" dirty="0"/>
+          </a:p>
+        </p:txBody>
+      </p:sp>
+      <p:sp>
+        <p:nvSpPr>
+          <p:cNvPr id="37" name="TextBox 36"/>
+          <p:cNvSpPr txBox="1"/>
+          <p:nvPr/>
+        </p:nvSpPr>
+        <p:spPr>
+          <a:xfrm>
+            <a:off x="7658104" y="4148539"/>
+            <a:ext cx="1021077" cy="830997"/>
+          </a:xfrm>
+          <a:prstGeom prst="rect">
+            <a:avLst/>
+          </a:prstGeom>
+          <a:noFill/>
+          <a:ln>
+            <a:solidFill>
+              <a:schemeClr val="tx1"/>
+            </a:solidFill>
+          </a:ln>
+        </p:spPr>
+        <p:txBody>
+          <a:bodyPr wrap="square" rtlCol="0">
+            <a:spAutoFit/>
+          </a:bodyPr>
+          <a:lstStyle/>
+          <a:p>
+            <a:r>
+              <a:rPr lang="nb-NO" sz="1200" dirty="0" err="1"/>
+              <a:t>Triangle</a:t>
+            </a:r>
+            <a:endParaRPr lang="nb-NO" sz="1200" dirty="0"/>
+          </a:p>
+          <a:p>
+            <a:r>
+              <a:rPr lang="nb-NO" sz="1200" dirty="0" err="1"/>
+              <a:t>Square</a:t>
+            </a:r>
+            <a:endParaRPr lang="nb-NO" sz="1200" dirty="0"/>
+          </a:p>
+          <a:p>
+            <a:r>
+              <a:rPr lang="nb-NO" sz="1200" dirty="0"/>
+              <a:t>Cross</a:t>
+            </a:r>
+          </a:p>
+          <a:p>
+            <a:r>
+              <a:rPr lang="nb-NO" sz="1200" dirty="0" err="1"/>
+              <a:t>Circle</a:t>
+            </a:r>
+            <a:endParaRPr lang="nb-NO" sz="1200" dirty="0"/>
+          </a:p>
+        </p:txBody>
+      </p:sp>
       <p:cxnSp>
         <p:nvCxnSpPr>
           <p:cNvPr id="41" name="Straight Arrow Connector 40"/>
@@ -3731,9 +3724,9 @@
           <p:nvPr/>
         </p:nvCxnSpPr>
         <p:spPr>
-          <a:xfrm>
-            <a:off x="6603972" y="3343370"/>
-            <a:ext cx="1054132" cy="112673"/>
+          <a:xfrm flipV="1">
+            <a:off x="6603972" y="2989844"/>
+            <a:ext cx="1054130" cy="474236"/>
           </a:xfrm>
           <a:prstGeom prst="straightConnector1">
             <a:avLst/>
@@ -3769,7 +3762,7 @@
         <p:spPr>
           <a:xfrm>
             <a:off x="6142473" y="1156155"/>
-            <a:ext cx="1515631" cy="2299888"/>
+            <a:ext cx="1515629" cy="1833689"/>
           </a:xfrm>
           <a:prstGeom prst="straightConnector1">
             <a:avLst/>
@@ -3805,7 +3798,7 @@
         <p:spPr>
           <a:xfrm>
             <a:off x="6087250" y="1831730"/>
-            <a:ext cx="1570854" cy="1624313"/>
+            <a:ext cx="1570852" cy="1158114"/>
           </a:xfrm>
           <a:prstGeom prst="straightConnector1">
             <a:avLst/>
@@ -4023,7 +4016,7 @@
         </p:nvGrpSpPr>
         <p:grpSpPr>
           <a:xfrm>
-            <a:off x="4239291" y="3139058"/>
+            <a:off x="4239291" y="3259768"/>
             <a:ext cx="2364681" cy="408623"/>
             <a:chOff x="4226619" y="1993638"/>
             <a:chExt cx="2364681" cy="408623"/>
@@ -4646,6 +4639,13 @@
   <p:clrMapOvr>
     <a:masterClrMapping/>
   </p:clrMapOvr>
+  <p:timing>
+    <p:tnLst>
+      <p:par>
+        <p:cTn id="1" dur="indefinite" restart="never" nodeType="tmRoot"/>
+      </p:par>
+    </p:tnLst>
+  </p:timing>
 </p:sld>
 </file>
 
